--- a/pptx/result/table.pptx
+++ b/pptx/result/table.pptx
@@ -3118,8 +3118,8 @@
           <p:nvPr/>
         </p:nvGraphicFramePr>
         <p:xfrm>
-          <a:off x="1828800" y="1828800"/>
-          <a:ext cx="20116800" cy="5486400"/>
+          <a:off x="0" y="0"/>
+          <a:ext cx="3657600" cy="2743200"/>
         </p:xfrm>
         <a:graphic>
           <a:graphicData uri="http://schemas.openxmlformats.org/drawingml/2006/table">
@@ -3129,9 +3129,9 @@
               </a:tblPr>
               <a:tblGrid>
                 <a:gridCol w="1828800"/>
-                <a:gridCol w="18288000"/>
+                <a:gridCol w="1828800"/>
               </a:tblGrid>
-              <a:tr h="2743200">
+              <a:tr h="1371600">
                 <a:tc>
                   <a:txBody>
                     <a:bodyPr/>
@@ -3157,7 +3157,7 @@
                   <a:tcPr/>
                 </a:tc>
               </a:tr>
-              <a:tr h="2743200">
+              <a:tr h="1371600">
                 <a:tc>
                   <a:txBody>
                     <a:bodyPr/>

--- a/pptx/result/table.pptx
+++ b/pptx/result/table.pptx
@@ -3177,6 +3177,16 @@
                     <a:p>
                       <a:r>
                         <a:t>go down together</a:t>
+                      </a:r>
+                    </a:p>
+                    <a:p>
+                      <a:r>
+                        <a:t>1234567981231dsa5fasdf4saf5as4dfas4d5f456sd4fsa64</a:t>
+                      </a:r>
+                    </a:p>
+                    <a:p>
+                      <a:r>
+                        <a:t>165sad4f65sad4fasd54f</a:t>
                       </a:r>
                     </a:p>
                   </a:txBody>

--- a/pptx/result/table.pptx
+++ b/pptx/result/table.pptx
@@ -3177,6 +3177,14 @@
                     <a:p>
                       <a:r>
                         <a:t>go down together</a:t>
+                      </a:r>
+                      <a:r>
+                        <a:rPr>
+                          <a:solidFill>
+                            <a:srgbClr val="FF0000"/>
+                          </a:solidFill>
+                        </a:rPr>
+                        <a:t>FFFFFFFF</a:t>
                       </a:r>
                     </a:p>
                     <a:p>

--- a/pptx/result/table.pptx
+++ b/pptx/result/table.pptx
@@ -63,7 +63,7 @@
         <p:txBody>
           <a:bodyPr/>
           <a:p>
-            <a:fld id="{2635A1F4-31DD-4F35-B5D6-C7384B826448}" type="slidenum">
+            <a:fld id="{DD8E248F-429B-4464-9CFF-AA756571571B}" type="slidenum">
               <a:t>&lt;#&gt;</a:t>
             </a:fld>
           </a:p>
@@ -114,7 +114,7 @@
       </p:grpSpPr>
       <p:sp>
         <p:nvSpPr>
-          <p:cNvPr id="25" name="PlaceHolder 1"/>
+          <p:cNvPr id="26" name="PlaceHolder 1"/>
           <p:cNvSpPr>
             <a:spLocks noGrp="1"/>
           </p:cNvSpPr>
@@ -151,7 +151,7 @@
       </p:sp>
       <p:sp>
         <p:nvSpPr>
-          <p:cNvPr id="26" name="PlaceHolder 2"/>
+          <p:cNvPr id="27" name="PlaceHolder 2"/>
           <p:cNvSpPr>
             <a:spLocks noGrp="1"/>
           </p:cNvSpPr>
@@ -188,7 +188,7 @@
       </p:sp>
       <p:sp>
         <p:nvSpPr>
-          <p:cNvPr id="27" name="PlaceHolder 3"/>
+          <p:cNvPr id="28" name="PlaceHolder 3"/>
           <p:cNvSpPr>
             <a:spLocks noGrp="1"/>
           </p:cNvSpPr>
@@ -257,7 +257,7 @@
         <p:txBody>
           <a:bodyPr/>
           <a:p>
-            <a:fld id="{6620324E-C429-4EAD-9A7C-5618A92465BA}" type="slidenum">
+            <a:fld id="{6A3EA4FB-6EE1-4F5D-81FC-4279E793ED70}" type="slidenum">
               <a:t>&lt;#&gt;</a:t>
             </a:fld>
           </a:p>
@@ -308,7 +308,7 @@
       </p:grpSpPr>
       <p:sp>
         <p:nvSpPr>
-          <p:cNvPr id="28" name="PlaceHolder 1"/>
+          <p:cNvPr id="29" name="PlaceHolder 1"/>
           <p:cNvSpPr>
             <a:spLocks noGrp="1"/>
           </p:cNvSpPr>
@@ -345,7 +345,7 @@
       </p:sp>
       <p:sp>
         <p:nvSpPr>
-          <p:cNvPr id="29" name="PlaceHolder 2"/>
+          <p:cNvPr id="30" name="PlaceHolder 2"/>
           <p:cNvSpPr>
             <a:spLocks noGrp="1"/>
           </p:cNvSpPr>
@@ -382,7 +382,7 @@
       </p:sp>
       <p:sp>
         <p:nvSpPr>
-          <p:cNvPr id="30" name="PlaceHolder 3"/>
+          <p:cNvPr id="31" name="PlaceHolder 3"/>
           <p:cNvSpPr>
             <a:spLocks noGrp="1"/>
           </p:cNvSpPr>
@@ -419,7 +419,7 @@
       </p:sp>
       <p:sp>
         <p:nvSpPr>
-          <p:cNvPr id="31" name="PlaceHolder 4"/>
+          <p:cNvPr id="32" name="PlaceHolder 4"/>
           <p:cNvSpPr>
             <a:spLocks noGrp="1"/>
           </p:cNvSpPr>
@@ -456,7 +456,7 @@
       </p:sp>
       <p:sp>
         <p:nvSpPr>
-          <p:cNvPr id="32" name="PlaceHolder 5"/>
+          <p:cNvPr id="33" name="PlaceHolder 5"/>
           <p:cNvSpPr>
             <a:spLocks noGrp="1"/>
           </p:cNvSpPr>
@@ -525,7 +525,7 @@
         <p:txBody>
           <a:bodyPr/>
           <a:p>
-            <a:fld id="{58793821-50E1-4BEB-8F28-A0B53AB40C4F}" type="slidenum">
+            <a:fld id="{024D41FF-5C0F-4A61-BE70-886E298BBE3E}" type="slidenum">
               <a:t>&lt;#&gt;</a:t>
             </a:fld>
           </a:p>
@@ -576,7 +576,7 @@
       </p:grpSpPr>
       <p:sp>
         <p:nvSpPr>
-          <p:cNvPr id="33" name="PlaceHolder 1"/>
+          <p:cNvPr id="34" name="PlaceHolder 1"/>
           <p:cNvSpPr>
             <a:spLocks noGrp="1"/>
           </p:cNvSpPr>
@@ -613,7 +613,7 @@
       </p:sp>
       <p:sp>
         <p:nvSpPr>
-          <p:cNvPr id="34" name="PlaceHolder 2"/>
+          <p:cNvPr id="35" name="PlaceHolder 2"/>
           <p:cNvSpPr>
             <a:spLocks noGrp="1"/>
           </p:cNvSpPr>
@@ -650,7 +650,7 @@
       </p:sp>
       <p:sp>
         <p:nvSpPr>
-          <p:cNvPr id="35" name="PlaceHolder 3"/>
+          <p:cNvPr id="36" name="PlaceHolder 3"/>
           <p:cNvSpPr>
             <a:spLocks noGrp="1"/>
           </p:cNvSpPr>
@@ -687,7 +687,7 @@
       </p:sp>
       <p:sp>
         <p:nvSpPr>
-          <p:cNvPr id="36" name="PlaceHolder 4"/>
+          <p:cNvPr id="37" name="PlaceHolder 4"/>
           <p:cNvSpPr>
             <a:spLocks noGrp="1"/>
           </p:cNvSpPr>
@@ -724,7 +724,7 @@
       </p:sp>
       <p:sp>
         <p:nvSpPr>
-          <p:cNvPr id="37" name="PlaceHolder 5"/>
+          <p:cNvPr id="38" name="PlaceHolder 5"/>
           <p:cNvSpPr>
             <a:spLocks noGrp="1"/>
           </p:cNvSpPr>
@@ -761,7 +761,7 @@
       </p:sp>
       <p:sp>
         <p:nvSpPr>
-          <p:cNvPr id="38" name="PlaceHolder 6"/>
+          <p:cNvPr id="39" name="PlaceHolder 6"/>
           <p:cNvSpPr>
             <a:spLocks noGrp="1"/>
           </p:cNvSpPr>
@@ -798,7 +798,7 @@
       </p:sp>
       <p:sp>
         <p:nvSpPr>
-          <p:cNvPr id="39" name="PlaceHolder 7"/>
+          <p:cNvPr id="40" name="PlaceHolder 7"/>
           <p:cNvSpPr>
             <a:spLocks noGrp="1"/>
           </p:cNvSpPr>
@@ -867,7 +867,7 @@
         <p:txBody>
           <a:bodyPr/>
           <a:p>
-            <a:fld id="{7C3AEA39-024C-4097-888F-E5EE35E8B0F9}" type="slidenum">
+            <a:fld id="{8CFF8396-A882-4D44-83BF-1AF3BA57DD9D}" type="slidenum">
               <a:t>&lt;#&gt;</a:t>
             </a:fld>
           </a:p>
@@ -918,7 +918,7 @@
       </p:grpSpPr>
       <p:sp>
         <p:nvSpPr>
-          <p:cNvPr id="4" name="PlaceHolder 1"/>
+          <p:cNvPr id="5" name="PlaceHolder 1"/>
           <p:cNvSpPr>
             <a:spLocks noGrp="1"/>
           </p:cNvSpPr>
@@ -955,7 +955,7 @@
       </p:sp>
       <p:sp>
         <p:nvSpPr>
-          <p:cNvPr id="5" name="PlaceHolder 2"/>
+          <p:cNvPr id="6" name="PlaceHolder 2"/>
           <p:cNvSpPr>
             <a:spLocks noGrp="1"/>
           </p:cNvSpPr>
@@ -1024,7 +1024,7 @@
         <p:txBody>
           <a:bodyPr/>
           <a:p>
-            <a:fld id="{45516748-BB1D-4219-ABFB-F283F9EFEBDF}" type="slidenum">
+            <a:fld id="{865585AF-EFF1-4880-8D5D-B0BBAE3721B4}" type="slidenum">
               <a:t>&lt;#&gt;</a:t>
             </a:fld>
           </a:p>
@@ -1075,7 +1075,7 @@
       </p:grpSpPr>
       <p:sp>
         <p:nvSpPr>
-          <p:cNvPr id="6" name="PlaceHolder 1"/>
+          <p:cNvPr id="7" name="PlaceHolder 1"/>
           <p:cNvSpPr>
             <a:spLocks noGrp="1"/>
           </p:cNvSpPr>
@@ -1112,7 +1112,7 @@
       </p:sp>
       <p:sp>
         <p:nvSpPr>
-          <p:cNvPr id="7" name="PlaceHolder 2"/>
+          <p:cNvPr id="8" name="PlaceHolder 2"/>
           <p:cNvSpPr>
             <a:spLocks noGrp="1"/>
           </p:cNvSpPr>
@@ -1181,7 +1181,7 @@
         <p:txBody>
           <a:bodyPr/>
           <a:p>
-            <a:fld id="{A1562058-654F-4A53-8A91-74A4BF06216E}" type="slidenum">
+            <a:fld id="{3FF37F83-2A85-4976-A1E2-86F0EF722329}" type="slidenum">
               <a:t>&lt;#&gt;</a:t>
             </a:fld>
           </a:p>
@@ -1232,7 +1232,7 @@
       </p:grpSpPr>
       <p:sp>
         <p:nvSpPr>
-          <p:cNvPr id="8" name="PlaceHolder 1"/>
+          <p:cNvPr id="9" name="PlaceHolder 1"/>
           <p:cNvSpPr>
             <a:spLocks noGrp="1"/>
           </p:cNvSpPr>
@@ -1269,7 +1269,7 @@
       </p:sp>
       <p:sp>
         <p:nvSpPr>
-          <p:cNvPr id="9" name="PlaceHolder 2"/>
+          <p:cNvPr id="10" name="PlaceHolder 2"/>
           <p:cNvSpPr>
             <a:spLocks noGrp="1"/>
           </p:cNvSpPr>
@@ -1306,7 +1306,7 @@
       </p:sp>
       <p:sp>
         <p:nvSpPr>
-          <p:cNvPr id="10" name="PlaceHolder 3"/>
+          <p:cNvPr id="11" name="PlaceHolder 3"/>
           <p:cNvSpPr>
             <a:spLocks noGrp="1"/>
           </p:cNvSpPr>
@@ -1375,7 +1375,7 @@
         <p:txBody>
           <a:bodyPr/>
           <a:p>
-            <a:fld id="{C5B188D8-9636-48BB-B9AB-88D4F9D6A02B}" type="slidenum">
+            <a:fld id="{AB8F5099-E5E2-48F7-B228-D43D31560CAD}" type="slidenum">
               <a:t>&lt;#&gt;</a:t>
             </a:fld>
           </a:p>
@@ -1426,7 +1426,7 @@
       </p:grpSpPr>
       <p:sp>
         <p:nvSpPr>
-          <p:cNvPr id="11" name="PlaceHolder 1"/>
+          <p:cNvPr id="12" name="PlaceHolder 1"/>
           <p:cNvSpPr>
             <a:spLocks noGrp="1"/>
           </p:cNvSpPr>
@@ -1495,7 +1495,7 @@
         <p:txBody>
           <a:bodyPr/>
           <a:p>
-            <a:fld id="{93BC4F52-DBDD-4552-B9FE-5741E1A6A32B}" type="slidenum">
+            <a:fld id="{45FD1B2D-132D-4B80-9A24-A2CAA33B01D3}" type="slidenum">
               <a:t>&lt;#&gt;</a:t>
             </a:fld>
           </a:p>
@@ -1546,7 +1546,7 @@
       </p:grpSpPr>
       <p:sp>
         <p:nvSpPr>
-          <p:cNvPr id="12" name="PlaceHolder 1"/>
+          <p:cNvPr id="13" name="PlaceHolder 1"/>
           <p:cNvSpPr>
             <a:spLocks noGrp="1"/>
           </p:cNvSpPr>
@@ -1615,7 +1615,7 @@
         <p:txBody>
           <a:bodyPr/>
           <a:p>
-            <a:fld id="{E024ECBF-B171-4E66-BB99-1AF688012626}" type="slidenum">
+            <a:fld id="{93A60327-7962-4BF8-8353-5E61C807D686}" type="slidenum">
               <a:t>&lt;#&gt;</a:t>
             </a:fld>
           </a:p>
@@ -1666,7 +1666,7 @@
       </p:grpSpPr>
       <p:sp>
         <p:nvSpPr>
-          <p:cNvPr id="13" name="PlaceHolder 1"/>
+          <p:cNvPr id="14" name="PlaceHolder 1"/>
           <p:cNvSpPr>
             <a:spLocks noGrp="1"/>
           </p:cNvSpPr>
@@ -1703,7 +1703,7 @@
       </p:sp>
       <p:sp>
         <p:nvSpPr>
-          <p:cNvPr id="14" name="PlaceHolder 2"/>
+          <p:cNvPr id="15" name="PlaceHolder 2"/>
           <p:cNvSpPr>
             <a:spLocks noGrp="1"/>
           </p:cNvSpPr>
@@ -1740,7 +1740,7 @@
       </p:sp>
       <p:sp>
         <p:nvSpPr>
-          <p:cNvPr id="15" name="PlaceHolder 3"/>
+          <p:cNvPr id="16" name="PlaceHolder 3"/>
           <p:cNvSpPr>
             <a:spLocks noGrp="1"/>
           </p:cNvSpPr>
@@ -1777,7 +1777,7 @@
       </p:sp>
       <p:sp>
         <p:nvSpPr>
-          <p:cNvPr id="16" name="PlaceHolder 4"/>
+          <p:cNvPr id="17" name="PlaceHolder 4"/>
           <p:cNvSpPr>
             <a:spLocks noGrp="1"/>
           </p:cNvSpPr>
@@ -1846,7 +1846,7 @@
         <p:txBody>
           <a:bodyPr/>
           <a:p>
-            <a:fld id="{B7A42A3E-E5A8-459B-94B7-EEA047434D27}" type="slidenum">
+            <a:fld id="{4907FD32-A5FA-4A3A-906D-B0D87C95A635}" type="slidenum">
               <a:t>&lt;#&gt;</a:t>
             </a:fld>
           </a:p>
@@ -1897,7 +1897,7 @@
       </p:grpSpPr>
       <p:sp>
         <p:nvSpPr>
-          <p:cNvPr id="17" name="PlaceHolder 1"/>
+          <p:cNvPr id="18" name="PlaceHolder 1"/>
           <p:cNvSpPr>
             <a:spLocks noGrp="1"/>
           </p:cNvSpPr>
@@ -1934,7 +1934,7 @@
       </p:sp>
       <p:sp>
         <p:nvSpPr>
-          <p:cNvPr id="18" name="PlaceHolder 2"/>
+          <p:cNvPr id="19" name="PlaceHolder 2"/>
           <p:cNvSpPr>
             <a:spLocks noGrp="1"/>
           </p:cNvSpPr>
@@ -1971,7 +1971,7 @@
       </p:sp>
       <p:sp>
         <p:nvSpPr>
-          <p:cNvPr id="19" name="PlaceHolder 3"/>
+          <p:cNvPr id="20" name="PlaceHolder 3"/>
           <p:cNvSpPr>
             <a:spLocks noGrp="1"/>
           </p:cNvSpPr>
@@ -2008,7 +2008,7 @@
       </p:sp>
       <p:sp>
         <p:nvSpPr>
-          <p:cNvPr id="20" name="PlaceHolder 4"/>
+          <p:cNvPr id="21" name="PlaceHolder 4"/>
           <p:cNvSpPr>
             <a:spLocks noGrp="1"/>
           </p:cNvSpPr>
@@ -2077,7 +2077,7 @@
         <p:txBody>
           <a:bodyPr/>
           <a:p>
-            <a:fld id="{FF1308FD-A318-4E67-80F0-8023AB7BD2E3}" type="slidenum">
+            <a:fld id="{F67A5266-E6D4-4F47-BAA9-54F2D823EF8D}" type="slidenum">
               <a:t>&lt;#&gt;</a:t>
             </a:fld>
           </a:p>
@@ -2128,7 +2128,7 @@
       </p:grpSpPr>
       <p:sp>
         <p:nvSpPr>
-          <p:cNvPr id="21" name="PlaceHolder 1"/>
+          <p:cNvPr id="22" name="PlaceHolder 1"/>
           <p:cNvSpPr>
             <a:spLocks noGrp="1"/>
           </p:cNvSpPr>
@@ -2165,7 +2165,7 @@
       </p:sp>
       <p:sp>
         <p:nvSpPr>
-          <p:cNvPr id="22" name="PlaceHolder 2"/>
+          <p:cNvPr id="23" name="PlaceHolder 2"/>
           <p:cNvSpPr>
             <a:spLocks noGrp="1"/>
           </p:cNvSpPr>
@@ -2202,7 +2202,7 @@
       </p:sp>
       <p:sp>
         <p:nvSpPr>
-          <p:cNvPr id="23" name="PlaceHolder 3"/>
+          <p:cNvPr id="24" name="PlaceHolder 3"/>
           <p:cNvSpPr>
             <a:spLocks noGrp="1"/>
           </p:cNvSpPr>
@@ -2239,7 +2239,7 @@
       </p:sp>
       <p:sp>
         <p:nvSpPr>
-          <p:cNvPr id="24" name="PlaceHolder 4"/>
+          <p:cNvPr id="25" name="PlaceHolder 4"/>
           <p:cNvSpPr>
             <a:spLocks noGrp="1"/>
           </p:cNvSpPr>
@@ -2308,7 +2308,7 @@
         <p:txBody>
           <a:bodyPr/>
           <a:p>
-            <a:fld id="{A4FB4299-A996-4DE5-ADA1-8B45C384C962}" type="slidenum">
+            <a:fld id="{5E0165EB-2766-468F-BF6D-462DE4FE45A4}" type="slidenum">
               <a:t>&lt;#&gt;</a:t>
             </a:fld>
           </a:p>
@@ -2578,7 +2578,7 @@
               </a:lnSpc>
               <a:buNone/>
             </a:pPr>
-            <a:fld id="{04453A36-C604-4BF3-81EC-1CEEA3B2EB18}" type="slidenum">
+            <a:fld id="{B648919C-953C-43F1-B6AA-1852065F4B53}" type="slidenum">
               <a:rPr b="0" lang="en-US" sz="1200" spc="-1" strike="noStrike">
                 <a:solidFill>
                   <a:srgbClr val="8b8b8b"/>
@@ -2589,6 +2589,231 @@
             </a:fld>
             <a:endParaRPr b="0" lang="en-US" sz="1200" spc="-1" strike="noStrike">
               <a:latin typeface="Times New Roman"/>
+            </a:endParaRPr>
+          </a:p>
+        </p:txBody>
+      </p:sp>
+      <p:sp>
+        <p:nvSpPr>
+          <p:cNvPr id="4" name="PlaceHolder 5"/>
+          <p:cNvSpPr>
+            <a:spLocks noGrp="1"/>
+          </p:cNvSpPr>
+          <p:nvPr>
+            <p:ph type="body"/>
+          </p:nvPr>
+        </p:nvSpPr>
+        <p:spPr>
+          <a:xfrm>
+            <a:off x="457200" y="1604520"/>
+            <a:ext cx="8229240" cy="3977280"/>
+          </a:xfrm>
+          <a:prstGeom prst="rect">
+            <a:avLst/>
+          </a:prstGeom>
+          <a:noFill/>
+          <a:ln w="0">
+            <a:noFill/>
+          </a:ln>
+        </p:spPr>
+        <p:txBody>
+          <a:bodyPr lIns="0" rIns="0" tIns="0" bIns="0" anchor="t">
+            <a:normAutofit/>
+          </a:bodyPr>
+          <a:p>
+            <a:pPr marL="432000" indent="-324000">
+              <a:spcBef>
+                <a:spcPts val="1417"/>
+              </a:spcBef>
+              <a:buClr>
+                <a:srgbClr val="000000"/>
+              </a:buClr>
+              <a:buSzPct val="45000"/>
+              <a:buFont typeface="Wingdings" charset="2"/>
+              <a:buChar char=""/>
+            </a:pPr>
+            <a:r>
+              <a:rPr b="0" lang="en-US" sz="3200" spc="-1" strike="noStrike">
+                <a:solidFill>
+                  <a:srgbClr val="000000"/>
+                </a:solidFill>
+                <a:latin typeface="Calibri"/>
+              </a:rPr>
+              <a:t>Click to edit the outline text format</a:t>
+            </a:r>
+            <a:endParaRPr b="0" lang="en-US" sz="3200" spc="-1" strike="noStrike">
+              <a:solidFill>
+                <a:srgbClr val="000000"/>
+              </a:solidFill>
+              <a:latin typeface="Calibri"/>
+            </a:endParaRPr>
+          </a:p>
+          <a:p>
+            <a:pPr lvl="1" marL="864000" indent="-324000">
+              <a:spcBef>
+                <a:spcPts val="1134"/>
+              </a:spcBef>
+              <a:buClr>
+                <a:srgbClr val="000000"/>
+              </a:buClr>
+              <a:buSzPct val="75000"/>
+              <a:buFont typeface="Symbol" charset="2"/>
+              <a:buChar char=""/>
+            </a:pPr>
+            <a:r>
+              <a:rPr b="0" lang="en-US" sz="2400" spc="-1" strike="noStrike">
+                <a:solidFill>
+                  <a:srgbClr val="000000"/>
+                </a:solidFill>
+                <a:latin typeface="Calibri"/>
+              </a:rPr>
+              <a:t>Second Outline Level</a:t>
+            </a:r>
+            <a:endParaRPr b="0" lang="en-US" sz="2400" spc="-1" strike="noStrike">
+              <a:solidFill>
+                <a:srgbClr val="000000"/>
+              </a:solidFill>
+              <a:latin typeface="Calibri"/>
+            </a:endParaRPr>
+          </a:p>
+          <a:p>
+            <a:pPr lvl="2" marL="1296000" indent="-288000">
+              <a:spcBef>
+                <a:spcPts val="850"/>
+              </a:spcBef>
+              <a:buClr>
+                <a:srgbClr val="000000"/>
+              </a:buClr>
+              <a:buSzPct val="45000"/>
+              <a:buFont typeface="Wingdings" charset="2"/>
+              <a:buChar char=""/>
+            </a:pPr>
+            <a:r>
+              <a:rPr b="0" lang="en-US" sz="2000" spc="-1" strike="noStrike">
+                <a:solidFill>
+                  <a:srgbClr val="000000"/>
+                </a:solidFill>
+                <a:latin typeface="Calibri"/>
+              </a:rPr>
+              <a:t>Third Outline Level</a:t>
+            </a:r>
+            <a:endParaRPr b="0" lang="en-US" sz="2000" spc="-1" strike="noStrike">
+              <a:solidFill>
+                <a:srgbClr val="000000"/>
+              </a:solidFill>
+              <a:latin typeface="Calibri"/>
+            </a:endParaRPr>
+          </a:p>
+          <a:p>
+            <a:pPr lvl="3" marL="1728000" indent="-216000">
+              <a:spcBef>
+                <a:spcPts val="567"/>
+              </a:spcBef>
+              <a:buClr>
+                <a:srgbClr val="000000"/>
+              </a:buClr>
+              <a:buSzPct val="75000"/>
+              <a:buFont typeface="Symbol" charset="2"/>
+              <a:buChar char=""/>
+            </a:pPr>
+            <a:r>
+              <a:rPr b="0" lang="en-US" sz="2000" spc="-1" strike="noStrike">
+                <a:solidFill>
+                  <a:srgbClr val="000000"/>
+                </a:solidFill>
+                <a:latin typeface="Calibri"/>
+              </a:rPr>
+              <a:t>Fourth Outline Level</a:t>
+            </a:r>
+            <a:endParaRPr b="0" lang="en-US" sz="2000" spc="-1" strike="noStrike">
+              <a:solidFill>
+                <a:srgbClr val="000000"/>
+              </a:solidFill>
+              <a:latin typeface="Calibri"/>
+            </a:endParaRPr>
+          </a:p>
+          <a:p>
+            <a:pPr lvl="4" marL="2160000" indent="-216000">
+              <a:spcBef>
+                <a:spcPts val="283"/>
+              </a:spcBef>
+              <a:buClr>
+                <a:srgbClr val="000000"/>
+              </a:buClr>
+              <a:buSzPct val="45000"/>
+              <a:buFont typeface="Wingdings" charset="2"/>
+              <a:buChar char=""/>
+            </a:pPr>
+            <a:r>
+              <a:rPr b="0" lang="en-US" sz="2000" spc="-1" strike="noStrike">
+                <a:solidFill>
+                  <a:srgbClr val="000000"/>
+                </a:solidFill>
+                <a:latin typeface="Calibri"/>
+              </a:rPr>
+              <a:t>Fifth Outline Level</a:t>
+            </a:r>
+            <a:endParaRPr b="0" lang="en-US" sz="2000" spc="-1" strike="noStrike">
+              <a:solidFill>
+                <a:srgbClr val="000000"/>
+              </a:solidFill>
+              <a:latin typeface="Calibri"/>
+            </a:endParaRPr>
+          </a:p>
+          <a:p>
+            <a:pPr lvl="5" marL="2592000" indent="-216000">
+              <a:spcBef>
+                <a:spcPts val="283"/>
+              </a:spcBef>
+              <a:buClr>
+                <a:srgbClr val="000000"/>
+              </a:buClr>
+              <a:buSzPct val="45000"/>
+              <a:buFont typeface="Wingdings" charset="2"/>
+              <a:buChar char=""/>
+            </a:pPr>
+            <a:r>
+              <a:rPr b="0" lang="en-US" sz="2000" spc="-1" strike="noStrike">
+                <a:solidFill>
+                  <a:srgbClr val="000000"/>
+                </a:solidFill>
+                <a:latin typeface="Calibri"/>
+              </a:rPr>
+              <a:t>Sixth Outline Level</a:t>
+            </a:r>
+            <a:endParaRPr b="0" lang="en-US" sz="2000" spc="-1" strike="noStrike">
+              <a:solidFill>
+                <a:srgbClr val="000000"/>
+              </a:solidFill>
+              <a:latin typeface="Calibri"/>
+            </a:endParaRPr>
+          </a:p>
+          <a:p>
+            <a:pPr lvl="6" marL="3024000" indent="-216000">
+              <a:spcBef>
+                <a:spcPts val="283"/>
+              </a:spcBef>
+              <a:buClr>
+                <a:srgbClr val="000000"/>
+              </a:buClr>
+              <a:buSzPct val="45000"/>
+              <a:buFont typeface="Wingdings" charset="2"/>
+              <a:buChar char=""/>
+            </a:pPr>
+            <a:r>
+              <a:rPr b="0" lang="en-US" sz="2000" spc="-1" strike="noStrike">
+                <a:solidFill>
+                  <a:srgbClr val="000000"/>
+                </a:solidFill>
+                <a:latin typeface="Calibri"/>
+              </a:rPr>
+              <a:t>Seventh Outline Level</a:t>
+            </a:r>
+            <a:endParaRPr b="0" lang="en-US" sz="2000" spc="-1" strike="noStrike">
+              <a:solidFill>
+                <a:srgbClr val="000000"/>
+              </a:solidFill>
+              <a:latin typeface="Calibri"/>
             </a:endParaRPr>
           </a:p>
         </p:txBody>
@@ -2632,7 +2857,7 @@
       </p:grpSpPr>
       <p:sp>
         <p:nvSpPr>
-          <p:cNvPr id="40" name="PlaceHolder 1"/>
+          <p:cNvPr id="41" name="PlaceHolder 1"/>
           <p:cNvSpPr>
             <a:spLocks noGrp="1"/>
           </p:cNvSpPr>
@@ -2684,7 +2909,7 @@
       </p:sp>
       <p:graphicFrame>
         <p:nvGraphicFramePr>
-          <p:cNvPr id="41" name="Table 2"/>
+          <p:cNvPr id="42" name="Table 2"/>
           <p:cNvGraphicFramePr/>
           <p:nvPr/>
         </p:nvGraphicFramePr>
@@ -2872,7 +3097,7 @@
                         <a:buNone/>
                       </a:pPr>
                       <a:r>
-                        <a:rPr b="0" lang="en-US" sz="1800" spc="-1" strike="sngStrike">
+                        <a:rPr b="0" lang="en-US" sz="1800" spc="-1" strike="dblStrike">
                           <a:solidFill>
                             <a:srgbClr val="000000"/>
                           </a:solidFill>
